--- a/Project_1_next_steps.pptx
+++ b/Project_1_next_steps.pptx
@@ -8,6 +8,7 @@
     <p:sldId id="261" r:id="rId2"/>
     <p:sldId id="257" r:id="rId3"/>
     <p:sldId id="260" r:id="rId4"/>
+    <p:sldId id="262" r:id="rId5"/>
   </p:sldIdLst>
   <p:sldSz cx="12192000" cy="6858000"/>
   <p:notesSz cx="6858000" cy="9144000"/>
@@ -106,6 +107,11 @@
       </a:defRPr>
     </a:lvl9pPr>
   </p:defaultTextStyle>
+  <p:extLst>
+    <p:ext uri="{EFAFB233-063F-42B5-8137-9DF3F51BA10A}">
+      <p15:sldGuideLst xmlns:p15="http://schemas.microsoft.com/office/powerpoint/2012/main"/>
+    </p:ext>
+  </p:extLst>
 </p:presentation>
 </file>
 
@@ -256,7 +262,7 @@
           <a:p>
             <a:fld id="{43B15D0E-9CBC-496C-BC44-25A2521DD13F}" type="datetimeFigureOut">
               <a:rPr lang="en-US" smtClean="0"/>
-              <a:t>5/8/2021</a:t>
+              <a:t>5/24/2021</a:t>
             </a:fld>
             <a:endParaRPr lang="en-US"/>
           </a:p>
@@ -454,7 +460,7 @@
           <a:p>
             <a:fld id="{43B15D0E-9CBC-496C-BC44-25A2521DD13F}" type="datetimeFigureOut">
               <a:rPr lang="en-US" smtClean="0"/>
-              <a:t>5/8/2021</a:t>
+              <a:t>5/24/2021</a:t>
             </a:fld>
             <a:endParaRPr lang="en-US"/>
           </a:p>
@@ -662,7 +668,7 @@
           <a:p>
             <a:fld id="{43B15D0E-9CBC-496C-BC44-25A2521DD13F}" type="datetimeFigureOut">
               <a:rPr lang="en-US" smtClean="0"/>
-              <a:t>5/8/2021</a:t>
+              <a:t>5/24/2021</a:t>
             </a:fld>
             <a:endParaRPr lang="en-US"/>
           </a:p>
@@ -860,7 +866,7 @@
           <a:p>
             <a:fld id="{43B15D0E-9CBC-496C-BC44-25A2521DD13F}" type="datetimeFigureOut">
               <a:rPr lang="en-US" smtClean="0"/>
-              <a:t>5/8/2021</a:t>
+              <a:t>5/24/2021</a:t>
             </a:fld>
             <a:endParaRPr lang="en-US"/>
           </a:p>
@@ -1135,7 +1141,7 @@
           <a:p>
             <a:fld id="{43B15D0E-9CBC-496C-BC44-25A2521DD13F}" type="datetimeFigureOut">
               <a:rPr lang="en-US" smtClean="0"/>
-              <a:t>5/8/2021</a:t>
+              <a:t>5/24/2021</a:t>
             </a:fld>
             <a:endParaRPr lang="en-US"/>
           </a:p>
@@ -1400,7 +1406,7 @@
           <a:p>
             <a:fld id="{43B15D0E-9CBC-496C-BC44-25A2521DD13F}" type="datetimeFigureOut">
               <a:rPr lang="en-US" smtClean="0"/>
-              <a:t>5/8/2021</a:t>
+              <a:t>5/24/2021</a:t>
             </a:fld>
             <a:endParaRPr lang="en-US"/>
           </a:p>
@@ -1812,7 +1818,7 @@
           <a:p>
             <a:fld id="{43B15D0E-9CBC-496C-BC44-25A2521DD13F}" type="datetimeFigureOut">
               <a:rPr lang="en-US" smtClean="0"/>
-              <a:t>5/8/2021</a:t>
+              <a:t>5/24/2021</a:t>
             </a:fld>
             <a:endParaRPr lang="en-US"/>
           </a:p>
@@ -1953,7 +1959,7 @@
           <a:p>
             <a:fld id="{43B15D0E-9CBC-496C-BC44-25A2521DD13F}" type="datetimeFigureOut">
               <a:rPr lang="en-US" smtClean="0"/>
-              <a:t>5/8/2021</a:t>
+              <a:t>5/24/2021</a:t>
             </a:fld>
             <a:endParaRPr lang="en-US"/>
           </a:p>
@@ -2066,7 +2072,7 @@
           <a:p>
             <a:fld id="{43B15D0E-9CBC-496C-BC44-25A2521DD13F}" type="datetimeFigureOut">
               <a:rPr lang="en-US" smtClean="0"/>
-              <a:t>5/8/2021</a:t>
+              <a:t>5/24/2021</a:t>
             </a:fld>
             <a:endParaRPr lang="en-US"/>
           </a:p>
@@ -2377,7 +2383,7 @@
           <a:p>
             <a:fld id="{43B15D0E-9CBC-496C-BC44-25A2521DD13F}" type="datetimeFigureOut">
               <a:rPr lang="en-US" smtClean="0"/>
-              <a:t>5/8/2021</a:t>
+              <a:t>5/24/2021</a:t>
             </a:fld>
             <a:endParaRPr lang="en-US"/>
           </a:p>
@@ -2665,7 +2671,7 @@
           <a:p>
             <a:fld id="{43B15D0E-9CBC-496C-BC44-25A2521DD13F}" type="datetimeFigureOut">
               <a:rPr lang="en-US" smtClean="0"/>
-              <a:t>5/8/2021</a:t>
+              <a:t>5/24/2021</a:t>
             </a:fld>
             <a:endParaRPr lang="en-US"/>
           </a:p>
@@ -2906,7 +2912,7 @@
           <a:p>
             <a:fld id="{43B15D0E-9CBC-496C-BC44-25A2521DD13F}" type="datetimeFigureOut">
               <a:rPr lang="en-US" smtClean="0"/>
-              <a:t>5/8/2021</a:t>
+              <a:t>5/24/2021</a:t>
             </a:fld>
             <a:endParaRPr lang="en-US"/>
           </a:p>
@@ -3952,6 +3958,311 @@
 </p:sld>
 </file>
 
+<file path=ppt/slides/slide4.xml><?xml version="1.0" encoding="utf-8"?>
+<p:sld xmlns:a="http://schemas.openxmlformats.org/drawingml/2006/main" xmlns:r="http://schemas.openxmlformats.org/officeDocument/2006/relationships" xmlns:p="http://schemas.openxmlformats.org/presentationml/2006/main">
+  <p:cSld>
+    <p:spTree>
+      <p:nvGrpSpPr>
+        <p:cNvPr id="1" name=""/>
+        <p:cNvGrpSpPr/>
+        <p:nvPr/>
+      </p:nvGrpSpPr>
+      <p:grpSpPr>
+        <a:xfrm>
+          <a:off x="0" y="0"/>
+          <a:ext cx="0" cy="0"/>
+          <a:chOff x="0" y="0"/>
+          <a:chExt cx="0" cy="0"/>
+        </a:xfrm>
+      </p:grpSpPr>
+      <p:sp>
+        <p:nvSpPr>
+          <p:cNvPr id="2" name="Title 1">
+            <a:extLst>
+              <a:ext uri="{FF2B5EF4-FFF2-40B4-BE49-F238E27FC236}">
+                <a16:creationId xmlns:a16="http://schemas.microsoft.com/office/drawing/2014/main" id="{131ED00C-361A-44EE-BDD7-0C5A57BFE35C}"/>
+              </a:ext>
+            </a:extLst>
+          </p:cNvPr>
+          <p:cNvSpPr>
+            <a:spLocks noGrp="1"/>
+          </p:cNvSpPr>
+          <p:nvPr>
+            <p:ph type="title"/>
+          </p:nvPr>
+        </p:nvSpPr>
+        <p:spPr/>
+        <p:txBody>
+          <a:bodyPr/>
+          <a:lstStyle/>
+          <a:p>
+            <a:endParaRPr lang="en-US" dirty="0"/>
+          </a:p>
+        </p:txBody>
+      </p:sp>
+      <p:pic>
+        <p:nvPicPr>
+          <p:cNvPr id="5" name="Picture 4">
+            <a:extLst>
+              <a:ext uri="{FF2B5EF4-FFF2-40B4-BE49-F238E27FC236}">
+                <a16:creationId xmlns:a16="http://schemas.microsoft.com/office/drawing/2014/main" id="{218A5BDE-6D7D-4C0E-8F17-3E5BE9E17AB3}"/>
+              </a:ext>
+            </a:extLst>
+          </p:cNvPr>
+          <p:cNvPicPr>
+            <a:picLocks noChangeAspect="1"/>
+          </p:cNvPicPr>
+          <p:nvPr/>
+        </p:nvPicPr>
+        <p:blipFill>
+          <a:blip r:embed="rId2"/>
+          <a:stretch>
+            <a:fillRect/>
+          </a:stretch>
+        </p:blipFill>
+        <p:spPr>
+          <a:xfrm>
+            <a:off x="838200" y="1850765"/>
+            <a:ext cx="3967261" cy="2690211"/>
+          </a:xfrm>
+          <a:prstGeom prst="rect">
+            <a:avLst/>
+          </a:prstGeom>
+        </p:spPr>
+      </p:pic>
+      <p:sp>
+        <p:nvSpPr>
+          <p:cNvPr id="12" name="TextBox 11">
+            <a:extLst>
+              <a:ext uri="{FF2B5EF4-FFF2-40B4-BE49-F238E27FC236}">
+                <a16:creationId xmlns:a16="http://schemas.microsoft.com/office/drawing/2014/main" id="{0D93CBE4-3C64-4C71-97BF-38B6FB5AA425}"/>
+              </a:ext>
+            </a:extLst>
+          </p:cNvPr>
+          <p:cNvSpPr txBox="1"/>
+          <p:nvPr/>
+        </p:nvSpPr>
+        <p:spPr>
+          <a:xfrm>
+            <a:off x="4939553" y="1404354"/>
+            <a:ext cx="6096000" cy="5293757"/>
+          </a:xfrm>
+          <a:prstGeom prst="rect">
+            <a:avLst/>
+          </a:prstGeom>
+          <a:noFill/>
+        </p:spPr>
+        <p:txBody>
+          <a:bodyPr wrap="square">
+            <a:spAutoFit/>
+          </a:bodyPr>
+          <a:lstStyle/>
+          <a:p>
+            <a:r>
+              <a:rPr lang="en-US" sz="1000" b="0" i="0" dirty="0">
+                <a:solidFill>
+                  <a:srgbClr val="4D4D4D"/>
+                </a:solidFill>
+                <a:effectLst/>
+                <a:latin typeface="Roboto Slab"/>
+              </a:rPr>
+              <a:t>The United States is split into seven regions based on physical characteristics, cultures, politics and history of the states. The regions are split from east to west across the entire United States. These regions are numbered from one to seven and give an idea about the climate and conditions of the states.</a:t>
+            </a:r>
+          </a:p>
+          <a:p>
+            <a:pPr algn="l"/>
+            <a:r>
+              <a:rPr lang="en-US" sz="1000" b="1" i="0" dirty="0">
+                <a:solidFill>
+                  <a:srgbClr val="4D4D4D"/>
+                </a:solidFill>
+                <a:effectLst/>
+                <a:latin typeface="Roboto Slab"/>
+              </a:rPr>
+              <a:t>New England Region</a:t>
+            </a:r>
+          </a:p>
+          <a:p>
+            <a:pPr algn="l"/>
+            <a:r>
+              <a:rPr lang="en-US" sz="1000" b="0" i="0" dirty="0">
+                <a:solidFill>
+                  <a:srgbClr val="4D4D4D"/>
+                </a:solidFill>
+                <a:effectLst/>
+                <a:latin typeface="Roboto Slab"/>
+              </a:rPr>
+              <a:t>New England is the easternmost part of the United States regions and is the first region that goes from east to west. The states in New England are Maine, Rhode Island, Vermont, Connecticut, New Hampshire and Massachusetts. Geographically, New England is part of the Atlantic-Gulf Coastal Plain, which stretches from the east to the Rio Grande.</a:t>
+            </a:r>
+          </a:p>
+          <a:p>
+            <a:pPr algn="l"/>
+            <a:r>
+              <a:rPr lang="en-US" sz="1000" b="1" i="0" dirty="0">
+                <a:solidFill>
+                  <a:srgbClr val="4D4D4D"/>
+                </a:solidFill>
+                <a:effectLst/>
+                <a:latin typeface="Roboto Slab"/>
+              </a:rPr>
+              <a:t>Mid-Atlantic Region</a:t>
+            </a:r>
+          </a:p>
+          <a:p>
+            <a:pPr algn="l"/>
+            <a:r>
+              <a:rPr lang="en-US" sz="1000" b="0" i="0" dirty="0">
+                <a:solidFill>
+                  <a:srgbClr val="4D4D4D"/>
+                </a:solidFill>
+                <a:effectLst/>
+                <a:latin typeface="Roboto Slab"/>
+              </a:rPr>
+              <a:t>The Middle Atlantic States, which are also called the Mid-Atlantic States, are the second region of the United States and are south and west of the New England States. The Mid-Atlantic </a:t>
+            </a:r>
+            <a:r>
+              <a:rPr lang="en-US" sz="1000" b="0" i="0" dirty="0" err="1">
+                <a:solidFill>
+                  <a:srgbClr val="4D4D4D"/>
+                </a:solidFill>
+                <a:effectLst/>
+                <a:latin typeface="Roboto Slab"/>
+              </a:rPr>
+              <a:t>Sstates</a:t>
+            </a:r>
+            <a:r>
+              <a:rPr lang="en-US" sz="1000" b="0" i="0" dirty="0">
+                <a:solidFill>
+                  <a:srgbClr val="4D4D4D"/>
+                </a:solidFill>
+                <a:effectLst/>
+                <a:latin typeface="Roboto Slab"/>
+              </a:rPr>
+              <a:t> are New York, New Jersey and Pennsylvania. The Mid-Atlantic is also part of the Atlantic-Gulf Coastal Plains geographic locations.</a:t>
+            </a:r>
+          </a:p>
+          <a:p>
+            <a:pPr algn="l"/>
+            <a:r>
+              <a:rPr lang="en-US" sz="1000" b="1" i="0" dirty="0">
+                <a:solidFill>
+                  <a:srgbClr val="4D4D4D"/>
+                </a:solidFill>
+                <a:effectLst/>
+                <a:latin typeface="Roboto Slab"/>
+              </a:rPr>
+              <a:t>Southern Region</a:t>
+            </a:r>
+          </a:p>
+          <a:p>
+            <a:pPr algn="l"/>
+            <a:r>
+              <a:rPr lang="en-US" sz="1000" b="0" i="0" dirty="0">
+                <a:solidFill>
+                  <a:srgbClr val="4D4D4D"/>
+                </a:solidFill>
+                <a:effectLst/>
+                <a:latin typeface="Roboto Slab"/>
+              </a:rPr>
+              <a:t>The Southern states make up the third region of the United States. These states are to the south and west of the mid-Atlantic states. The states in the Southern Region include Virginia, West Virginia, Kentucky, Delaware, Maryland, North and South Carolina, Tennessee, Arkansas, Louisiana, Florida, Georgia, Alabama and Mississippi. These states are part of the Appalachian Highlands geographic region.</a:t>
+            </a:r>
+          </a:p>
+          <a:p>
+            <a:pPr algn="l"/>
+            <a:r>
+              <a:rPr lang="en-US" sz="1000" b="1" i="0" dirty="0">
+                <a:solidFill>
+                  <a:srgbClr val="4D4D4D"/>
+                </a:solidFill>
+                <a:effectLst/>
+                <a:latin typeface="Roboto Slab"/>
+              </a:rPr>
+              <a:t>South-West Region</a:t>
+            </a:r>
+          </a:p>
+          <a:p>
+            <a:pPr algn="l"/>
+            <a:r>
+              <a:rPr lang="en-US" sz="1000" b="0" i="0" dirty="0">
+                <a:solidFill>
+                  <a:srgbClr val="4D4D4D"/>
+                </a:solidFill>
+                <a:effectLst/>
+                <a:latin typeface="Roboto Slab"/>
+              </a:rPr>
+              <a:t>The South-West Region of the United States is located directly west of the Southern Region. Geographically, it is part of the Atlantic Gulf Coastal Plain. The states in the South-West Region include Texas, Arizona, New Mexico and Oklahoma.</a:t>
+            </a:r>
+          </a:p>
+          <a:p>
+            <a:pPr algn="l"/>
+            <a:r>
+              <a:rPr lang="en-US" sz="1000" b="1" i="0" dirty="0">
+                <a:solidFill>
+                  <a:srgbClr val="4D4D4D"/>
+                </a:solidFill>
+                <a:effectLst/>
+                <a:latin typeface="Roboto Slab"/>
+              </a:rPr>
+              <a:t>Rocky Mountains</a:t>
+            </a:r>
+          </a:p>
+          <a:p>
+            <a:pPr algn="l"/>
+            <a:r>
+              <a:rPr lang="en-US" sz="1000" b="0" i="0" dirty="0">
+                <a:solidFill>
+                  <a:srgbClr val="4D4D4D"/>
+                </a:solidFill>
+                <a:effectLst/>
+                <a:latin typeface="Roboto Slab"/>
+              </a:rPr>
+              <a:t>The Rocky Mountain Region is made up of the states that run through the Rocky Mountains. These states are to the north of the South-West region and West of the Mid-West Region of the United States. The Stated included in the region are Montana, Idaho, Colorado, Utah, Wyoming and Nevada. Geographically, these are both the Rocky Mountain region and the Intermontane Region of the United States.</a:t>
+            </a:r>
+          </a:p>
+          <a:p>
+            <a:pPr algn="l"/>
+            <a:r>
+              <a:rPr lang="en-US" sz="1000" b="1" i="0" dirty="0">
+                <a:solidFill>
+                  <a:srgbClr val="4D4D4D"/>
+                </a:solidFill>
+                <a:effectLst/>
+                <a:latin typeface="Roboto Slab"/>
+              </a:rPr>
+              <a:t>Pacific Coastal Region</a:t>
+            </a:r>
+          </a:p>
+          <a:p>
+            <a:pPr algn="l"/>
+            <a:r>
+              <a:rPr lang="en-US" sz="1000" b="0" i="0" dirty="0">
+                <a:solidFill>
+                  <a:srgbClr val="4D4D4D"/>
+                </a:solidFill>
+                <a:effectLst/>
+                <a:latin typeface="Roboto Slab"/>
+              </a:rPr>
+              <a:t>The Pacific Coastal Region is made up of the states which lie along the Pacific Ocean. Geographically, the Pacific Coastal Region is considered the Pacific Mountain System. The states in the Pacific Coastal Region are California, Oregon and Washington.</a:t>
+            </a:r>
+          </a:p>
+          <a:p>
+            <a:endParaRPr lang="en-US" dirty="0"/>
+          </a:p>
+        </p:txBody>
+      </p:sp>
+    </p:spTree>
+    <p:extLst>
+      <p:ext uri="{BB962C8B-B14F-4D97-AF65-F5344CB8AC3E}">
+        <p14:creationId xmlns:p14="http://schemas.microsoft.com/office/powerpoint/2010/main" val="3715183027"/>
+      </p:ext>
+    </p:extLst>
+  </p:cSld>
+  <p:clrMapOvr>
+    <a:masterClrMapping/>
+  </p:clrMapOvr>
+</p:sld>
+</file>
+
 <file path=ppt/theme/theme1.xml><?xml version="1.0" encoding="utf-8"?>
 <a:theme xmlns:a="http://schemas.openxmlformats.org/drawingml/2006/main" name="Office Theme">
   <a:themeElements>
